--- a/05-efficient-item-allocation/slides.pptx
+++ b/05-efficient-item-allocation/slides.pptx
@@ -134,6 +134,11 @@
       </a:defRPr>
     </a:lvl9pPr>
   </p:defaultTextStyle>
+  <p:extLst>
+    <p:ext uri="{EFAFB233-063F-42B5-8137-9DF3F51BA10A}">
+      <p15:sldGuideLst xmlns:p15="http://schemas.microsoft.com/office/powerpoint/2012/main"/>
+    </p:ext>
+  </p:extLst>
 </p:presentation>
 </file>
 
@@ -9005,7 +9010,7 @@
           <a:p>
             <a:fld id="{4CAFD516-5597-4621-8393-09812E019982}" type="datetimeFigureOut">
               <a:rPr lang="he-IL" smtClean="0"/>
-              <a:t>כ"א/ניסן/תשפ"ה</a:t>
+              <a:t>כ"ב/ניסן/תשפ"ה</a:t>
             </a:fld>
             <a:endParaRPr lang="he-IL"/>
           </a:p>
@@ -9205,7 +9210,7 @@
           <a:p>
             <a:fld id="{4CAFD516-5597-4621-8393-09812E019982}" type="datetimeFigureOut">
               <a:rPr lang="he-IL" smtClean="0"/>
-              <a:t>כ"א/ניסן/תשפ"ה</a:t>
+              <a:t>כ"ב/ניסן/תשפ"ה</a:t>
             </a:fld>
             <a:endParaRPr lang="he-IL"/>
           </a:p>
@@ -9481,7 +9486,7 @@
           <a:p>
             <a:fld id="{4CAFD516-5597-4621-8393-09812E019982}" type="datetimeFigureOut">
               <a:rPr lang="he-IL" smtClean="0"/>
-              <a:t>כ"א/ניסן/תשפ"ה</a:t>
+              <a:t>כ"ב/ניסן/תשפ"ה</a:t>
             </a:fld>
             <a:endParaRPr lang="he-IL"/>
           </a:p>
@@ -9749,7 +9754,7 @@
           <a:p>
             <a:fld id="{4CAFD516-5597-4621-8393-09812E019982}" type="datetimeFigureOut">
               <a:rPr lang="he-IL" smtClean="0"/>
-              <a:t>כ"א/ניסן/תשפ"ה</a:t>
+              <a:t>כ"ב/ניסן/תשפ"ה</a:t>
             </a:fld>
             <a:endParaRPr lang="he-IL"/>
           </a:p>
@@ -10164,7 +10169,7 @@
           <a:p>
             <a:fld id="{4CAFD516-5597-4621-8393-09812E019982}" type="datetimeFigureOut">
               <a:rPr lang="he-IL" smtClean="0"/>
-              <a:t>כ"א/ניסן/תשפ"ה</a:t>
+              <a:t>כ"ב/ניסן/תשפ"ה</a:t>
             </a:fld>
             <a:endParaRPr lang="he-IL"/>
           </a:p>
@@ -10306,7 +10311,7 @@
           <a:p>
             <a:fld id="{4CAFD516-5597-4621-8393-09812E019982}" type="datetimeFigureOut">
               <a:rPr lang="he-IL" smtClean="0"/>
-              <a:t>כ"א/ניסן/תשפ"ה</a:t>
+              <a:t>כ"ב/ניסן/תשפ"ה</a:t>
             </a:fld>
             <a:endParaRPr lang="he-IL"/>
           </a:p>
@@ -10682,7 +10687,7 @@
           <a:p>
             <a:fld id="{4CAFD516-5597-4621-8393-09812E019982}" type="datetimeFigureOut">
               <a:rPr lang="he-IL" smtClean="0"/>
-              <a:t>כ"א/ניסן/תשפ"ה</a:t>
+              <a:t>כ"ב/ניסן/תשפ"ה</a:t>
             </a:fld>
             <a:endParaRPr lang="he-IL"/>
           </a:p>
@@ -10995,7 +11000,7 @@
           <a:p>
             <a:fld id="{4CAFD516-5597-4621-8393-09812E019982}" type="datetimeFigureOut">
               <a:rPr lang="he-IL" smtClean="0"/>
-              <a:t>כ"א/ניסן/תשפ"ה</a:t>
+              <a:t>כ"ב/ניסן/תשפ"ה</a:t>
             </a:fld>
             <a:endParaRPr lang="he-IL"/>
           </a:p>
@@ -11284,7 +11289,7 @@
           <a:p>
             <a:fld id="{4CAFD516-5597-4621-8393-09812E019982}" type="datetimeFigureOut">
               <a:rPr lang="he-IL" smtClean="0"/>
-              <a:t>כ"א/ניסן/תשפ"ה</a:t>
+              <a:t>כ"ב/ניסן/תשפ"ה</a:t>
             </a:fld>
             <a:endParaRPr lang="he-IL"/>
           </a:p>
@@ -11484,7 +11489,7 @@
           <a:p>
             <a:fld id="{4CAFD516-5597-4621-8393-09812E019982}" type="datetimeFigureOut">
               <a:rPr lang="he-IL" smtClean="0"/>
-              <a:t>כ"א/ניסן/תשפ"ה</a:t>
+              <a:t>כ"ב/ניסן/תשפ"ה</a:t>
             </a:fld>
             <a:endParaRPr lang="he-IL"/>
           </a:p>
@@ -11694,7 +11699,7 @@
           <a:p>
             <a:fld id="{4CAFD516-5597-4621-8393-09812E019982}" type="datetimeFigureOut">
               <a:rPr lang="he-IL" smtClean="0"/>
-              <a:t>כ"א/ניסן/תשפ"ה</a:t>
+              <a:t>כ"ב/ניסן/תשפ"ה</a:t>
             </a:fld>
             <a:endParaRPr lang="he-IL"/>
           </a:p>
@@ -14822,7 +14827,7 @@
           <a:p>
             <a:fld id="{4CAFD516-5597-4621-8393-09812E019982}" type="datetimeFigureOut">
               <a:rPr lang="he-IL" smtClean="0"/>
-              <a:t>כ"א/ניסן/תשפ"ה</a:t>
+              <a:t>כ"ב/ניסן/תשפ"ה</a:t>
             </a:fld>
             <a:endParaRPr lang="he-IL"/>
           </a:p>
@@ -15838,7 +15843,7 @@
       </p:sp>
       <p:pic>
         <p:nvPicPr>
-          <p:cNvPr id="3" name="">
+          <p:cNvPr id="3" name="Picture 2">
             <a:extLst>
               <a:ext uri="{FF2B5EF4-FFF2-40B4-BE49-F238E27FC236}">
                 <a16:creationId xmlns:a16="http://schemas.microsoft.com/office/drawing/2014/main" id="{FB174363-29E4-EC79-CC97-923865900A2A}"/>
@@ -17824,7 +17829,7 @@
       </p:sp>
       <p:graphicFrame>
         <p:nvGraphicFramePr>
-          <p:cNvPr id="4" name="">
+          <p:cNvPr id="4" name="Table 3">
             <a:extLst>
               <a:ext uri="{FF2B5EF4-FFF2-40B4-BE49-F238E27FC236}">
                 <a16:creationId xmlns:a16="http://schemas.microsoft.com/office/drawing/2014/main" id="{72CD22C0-6416-E013-BA3B-4975537B9F2B}"/>

--- a/05-efficient-item-allocation/slides.pptx
+++ b/05-efficient-item-allocation/slides.pptx
@@ -9010,7 +9010,7 @@
           <a:p>
             <a:fld id="{4CAFD516-5597-4621-8393-09812E019982}" type="datetimeFigureOut">
               <a:rPr lang="he-IL" smtClean="0"/>
-              <a:t>כ"ב/ניסן/תשפ"ה</a:t>
+              <a:t>כ"ט/ניסן/תשפ"ה</a:t>
             </a:fld>
             <a:endParaRPr lang="he-IL"/>
           </a:p>
@@ -9210,7 +9210,7 @@
           <a:p>
             <a:fld id="{4CAFD516-5597-4621-8393-09812E019982}" type="datetimeFigureOut">
               <a:rPr lang="he-IL" smtClean="0"/>
-              <a:t>כ"ב/ניסן/תשפ"ה</a:t>
+              <a:t>כ"ט/ניסן/תשפ"ה</a:t>
             </a:fld>
             <a:endParaRPr lang="he-IL"/>
           </a:p>
@@ -9486,7 +9486,7 @@
           <a:p>
             <a:fld id="{4CAFD516-5597-4621-8393-09812E019982}" type="datetimeFigureOut">
               <a:rPr lang="he-IL" smtClean="0"/>
-              <a:t>כ"ב/ניסן/תשפ"ה</a:t>
+              <a:t>כ"ט/ניסן/תשפ"ה</a:t>
             </a:fld>
             <a:endParaRPr lang="he-IL"/>
           </a:p>
@@ -9754,7 +9754,7 @@
           <a:p>
             <a:fld id="{4CAFD516-5597-4621-8393-09812E019982}" type="datetimeFigureOut">
               <a:rPr lang="he-IL" smtClean="0"/>
-              <a:t>כ"ב/ניסן/תשפ"ה</a:t>
+              <a:t>כ"ט/ניסן/תשפ"ה</a:t>
             </a:fld>
             <a:endParaRPr lang="he-IL"/>
           </a:p>
@@ -10169,7 +10169,7 @@
           <a:p>
             <a:fld id="{4CAFD516-5597-4621-8393-09812E019982}" type="datetimeFigureOut">
               <a:rPr lang="he-IL" smtClean="0"/>
-              <a:t>כ"ב/ניסן/תשפ"ה</a:t>
+              <a:t>כ"ט/ניסן/תשפ"ה</a:t>
             </a:fld>
             <a:endParaRPr lang="he-IL"/>
           </a:p>
@@ -10311,7 +10311,7 @@
           <a:p>
             <a:fld id="{4CAFD516-5597-4621-8393-09812E019982}" type="datetimeFigureOut">
               <a:rPr lang="he-IL" smtClean="0"/>
-              <a:t>כ"ב/ניסן/תשפ"ה</a:t>
+              <a:t>כ"ט/ניסן/תשפ"ה</a:t>
             </a:fld>
             <a:endParaRPr lang="he-IL"/>
           </a:p>
@@ -10687,7 +10687,7 @@
           <a:p>
             <a:fld id="{4CAFD516-5597-4621-8393-09812E019982}" type="datetimeFigureOut">
               <a:rPr lang="he-IL" smtClean="0"/>
-              <a:t>כ"ב/ניסן/תשפ"ה</a:t>
+              <a:t>כ"ט/ניסן/תשפ"ה</a:t>
             </a:fld>
             <a:endParaRPr lang="he-IL"/>
           </a:p>
@@ -11000,7 +11000,7 @@
           <a:p>
             <a:fld id="{4CAFD516-5597-4621-8393-09812E019982}" type="datetimeFigureOut">
               <a:rPr lang="he-IL" smtClean="0"/>
-              <a:t>כ"ב/ניסן/תשפ"ה</a:t>
+              <a:t>כ"ט/ניסן/תשפ"ה</a:t>
             </a:fld>
             <a:endParaRPr lang="he-IL"/>
           </a:p>
@@ -11289,7 +11289,7 @@
           <a:p>
             <a:fld id="{4CAFD516-5597-4621-8393-09812E019982}" type="datetimeFigureOut">
               <a:rPr lang="he-IL" smtClean="0"/>
-              <a:t>כ"ב/ניסן/תשפ"ה</a:t>
+              <a:t>כ"ט/ניסן/תשפ"ה</a:t>
             </a:fld>
             <a:endParaRPr lang="he-IL"/>
           </a:p>
@@ -11489,7 +11489,7 @@
           <a:p>
             <a:fld id="{4CAFD516-5597-4621-8393-09812E019982}" type="datetimeFigureOut">
               <a:rPr lang="he-IL" smtClean="0"/>
-              <a:t>כ"ב/ניסן/תשפ"ה</a:t>
+              <a:t>כ"ט/ניסן/תשפ"ה</a:t>
             </a:fld>
             <a:endParaRPr lang="he-IL"/>
           </a:p>
@@ -11699,7 +11699,7 @@
           <a:p>
             <a:fld id="{4CAFD516-5597-4621-8393-09812E019982}" type="datetimeFigureOut">
               <a:rPr lang="he-IL" smtClean="0"/>
-              <a:t>כ"ב/ניסן/תשפ"ה</a:t>
+              <a:t>כ"ט/ניסן/תשפ"ה</a:t>
             </a:fld>
             <a:endParaRPr lang="he-IL"/>
           </a:p>
@@ -14827,7 +14827,7 @@
           <a:p>
             <a:fld id="{4CAFD516-5597-4621-8393-09812E019982}" type="datetimeFigureOut">
               <a:rPr lang="he-IL" smtClean="0"/>
-              <a:t>כ"ב/ניסן/תשפ"ה</a:t>
+              <a:t>כ"ט/ניסן/תשפ"ה</a:t>
             </a:fld>
             <a:endParaRPr lang="he-IL"/>
           </a:p>
@@ -15371,9 +15371,7 @@
               </a:path>
             </a:pathLst>
           </a:custGeom>
-          <a:solidFill>
-            <a:srgbClr val="000000"/>
-          </a:solidFill>
+          <a:noFill/>
           <a:ln>
             <a:noFill/>
             <a:prstDash val="solid"/>
